--- a/projekt_2_python/IBM HR Analytics Employee Attrition & Performance.pptx
+++ b/projekt_2_python/IBM HR Analytics Employee Attrition & Performance.pptx
@@ -24095,87 +24095,6 @@
       </p:sp>
       <p:sp>
         <p:nvSpPr>
-          <p:cNvPr id="59" name="Oval 58">
-            <a:extLst>
-              <a:ext uri="{FF2B5EF4-FFF2-40B4-BE49-F238E27FC236}">
-                <a16:creationId xmlns:a16="http://schemas.microsoft.com/office/drawing/2014/main" id="{2E00A592-0A5F-49A2-B336-0B11F91F62CA}"/>
-              </a:ext>
-            </a:extLst>
-          </p:cNvPr>
-          <p:cNvSpPr/>
-          <p:nvPr/>
-        </p:nvSpPr>
-        <p:spPr>
-          <a:xfrm>
-            <a:off x="7931297" y="4922330"/>
-            <a:ext cx="325386" cy="325386"/>
-          </a:xfrm>
-          <a:prstGeom prst="ellipse">
-            <a:avLst/>
-          </a:prstGeom>
-          <a:solidFill>
-            <a:schemeClr val="accent3"/>
-          </a:solidFill>
-          <a:ln>
-            <a:noFill/>
-          </a:ln>
-        </p:spPr>
-        <p:style>
-          <a:lnRef idx="2">
-            <a:schemeClr val="accent1">
-              <a:shade val="50000"/>
-            </a:schemeClr>
-          </a:lnRef>
-          <a:fillRef idx="1">
-            <a:schemeClr val="accent1"/>
-          </a:fillRef>
-          <a:effectRef idx="0">
-            <a:schemeClr val="accent1"/>
-          </a:effectRef>
-          <a:fontRef idx="minor">
-            <a:schemeClr val="lt1"/>
-          </a:fontRef>
-        </p:style>
-        <p:txBody>
-          <a:bodyPr rtlCol="0" anchor="ctr"/>
-          <a:lstStyle/>
-          <a:p>
-            <a:pPr marL="0" marR="0" lvl="0" indent="0" algn="ctr" defTabSz="914400" rtl="0" eaLnBrk="1" fontAlgn="auto" latinLnBrk="0" hangingPunct="1">
-              <a:lnSpc>
-                <a:spcPct val="100000"/>
-              </a:lnSpc>
-              <a:spcBef>
-                <a:spcPts val="0"/>
-              </a:spcBef>
-              <a:spcAft>
-                <a:spcPts val="0"/>
-              </a:spcAft>
-              <a:buClrTx/>
-              <a:buSzTx/>
-              <a:buFontTx/>
-              <a:buNone/>
-              <a:tabLst/>
-              <a:defRPr/>
-            </a:pPr>
-            <a:endParaRPr kumimoji="0" lang="en-US" sz="1800" b="1" i="0" u="none" strike="noStrike" kern="1200" cap="none" spc="0" normalizeH="0" baseline="0" noProof="0" dirty="0">
-              <a:ln>
-                <a:noFill/>
-              </a:ln>
-              <a:solidFill>
-                <a:srgbClr val="FFFFFF"/>
-              </a:solidFill>
-              <a:effectLst/>
-              <a:uLnTx/>
-              <a:uFillTx/>
-              <a:latin typeface="Calibri" panose="020F0502020204030204"/>
-              <a:ea typeface="+mn-ea"/>
-              <a:cs typeface="+mn-cs"/>
-            </a:endParaRPr>
-          </a:p>
-        </p:txBody>
-      </p:sp>
-      <p:sp>
-        <p:nvSpPr>
           <p:cNvPr id="60" name="TextBox 59">
             <a:extLst>
               <a:ext uri="{FF2B5EF4-FFF2-40B4-BE49-F238E27FC236}">
@@ -24214,68 +24133,6 @@
             <a:endParaRPr lang="en-US" sz="1500" dirty="0">
               <a:latin typeface="Open Sans" panose="020B0606030504020204" pitchFamily="34" charset="0"/>
             </a:endParaRPr>
-          </a:p>
-        </p:txBody>
-      </p:sp>
-      <p:sp>
-        <p:nvSpPr>
-          <p:cNvPr id="61" name="TextBox 60">
-            <a:extLst>
-              <a:ext uri="{FF2B5EF4-FFF2-40B4-BE49-F238E27FC236}">
-                <a16:creationId xmlns:a16="http://schemas.microsoft.com/office/drawing/2014/main" id="{01AD41BD-FEC8-44D9-A27D-C813EA46910D}"/>
-              </a:ext>
-            </a:extLst>
-          </p:cNvPr>
-          <p:cNvSpPr txBox="1"/>
-          <p:nvPr/>
-        </p:nvSpPr>
-        <p:spPr>
-          <a:xfrm>
-            <a:off x="8409350" y="4926463"/>
-            <a:ext cx="3469456" cy="323165"/>
-          </a:xfrm>
-          <a:prstGeom prst="rect">
-            <a:avLst/>
-          </a:prstGeom>
-          <a:noFill/>
-        </p:spPr>
-        <p:txBody>
-          <a:bodyPr wrap="square" rtlCol="0">
-            <a:spAutoFit/>
-          </a:bodyPr>
-          <a:lstStyle/>
-          <a:p>
-            <a:pPr marL="0" marR="0" lvl="0" indent="0" algn="just" defTabSz="914400" rtl="0" eaLnBrk="1" fontAlgn="auto" latinLnBrk="0" hangingPunct="1">
-              <a:lnSpc>
-                <a:spcPct val="100000"/>
-              </a:lnSpc>
-              <a:spcBef>
-                <a:spcPts val="0"/>
-              </a:spcBef>
-              <a:spcAft>
-                <a:spcPts val="0"/>
-              </a:spcAft>
-              <a:buClrTx/>
-              <a:buSzTx/>
-              <a:buFontTx/>
-              <a:buNone/>
-              <a:tabLst/>
-              <a:defRPr/>
-            </a:pPr>
-            <a:r>
-              <a:rPr kumimoji="0" lang="en-US" sz="1500" i="0" u="none" strike="noStrike" kern="1200" cap="none" spc="0" normalizeH="0" baseline="0" noProof="0" dirty="0">
-                <a:ln>
-                  <a:noFill/>
-                </a:ln>
-                <a:effectLst/>
-                <a:uLnTx/>
-                <a:uFillTx/>
-                <a:latin typeface="Open Sans" panose="020B0606030504020204" pitchFamily="34" charset="0"/>
-                <a:ea typeface="+mn-ea"/>
-                <a:cs typeface="+mn-cs"/>
-              </a:rPr>
-              <a:t>Please insert your text here</a:t>
-            </a:r>
           </a:p>
         </p:txBody>
       </p:sp>
